--- a/usr_doc/HelloSpen2_Programming_Table.pptx
+++ b/usr_doc/HelloSpen2_Programming_Table.pptx
@@ -290,7 +290,7 @@
             <a:fld id="{FB30EDBD-1C2D-4C1E-B459-B60219FAB484}" type="datetimeFigureOut">
               <a:rPr lang="ko-KR" altLang="en-US" smtClean="0"/>
               <a:pPr/>
-              <a:t>2016-11-26</a:t>
+              <a:t>2016-11-28</a:t>
             </a:fld>
             <a:endParaRPr lang="ko-KR" altLang="en-US"/>
           </a:p>
@@ -457,7 +457,7 @@
             <a:fld id="{FB30EDBD-1C2D-4C1E-B459-B60219FAB484}" type="datetimeFigureOut">
               <a:rPr lang="ko-KR" altLang="en-US" smtClean="0"/>
               <a:pPr/>
-              <a:t>2016-11-26</a:t>
+              <a:t>2016-11-28</a:t>
             </a:fld>
             <a:endParaRPr lang="ko-KR" altLang="en-US"/>
           </a:p>
@@ -634,7 +634,7 @@
             <a:fld id="{FB30EDBD-1C2D-4C1E-B459-B60219FAB484}" type="datetimeFigureOut">
               <a:rPr lang="ko-KR" altLang="en-US" smtClean="0"/>
               <a:pPr/>
-              <a:t>2016-11-26</a:t>
+              <a:t>2016-11-28</a:t>
             </a:fld>
             <a:endParaRPr lang="ko-KR" altLang="en-US"/>
           </a:p>
@@ -801,7 +801,7 @@
             <a:fld id="{FB30EDBD-1C2D-4C1E-B459-B60219FAB484}" type="datetimeFigureOut">
               <a:rPr lang="ko-KR" altLang="en-US" smtClean="0"/>
               <a:pPr/>
-              <a:t>2016-11-26</a:t>
+              <a:t>2016-11-28</a:t>
             </a:fld>
             <a:endParaRPr lang="ko-KR" altLang="en-US"/>
           </a:p>
@@ -1044,7 +1044,7 @@
             <a:fld id="{FB30EDBD-1C2D-4C1E-B459-B60219FAB484}" type="datetimeFigureOut">
               <a:rPr lang="ko-KR" altLang="en-US" smtClean="0"/>
               <a:pPr/>
-              <a:t>2016-11-26</a:t>
+              <a:t>2016-11-28</a:t>
             </a:fld>
             <a:endParaRPr lang="ko-KR" altLang="en-US"/>
           </a:p>
@@ -1329,7 +1329,7 @@
             <a:fld id="{FB30EDBD-1C2D-4C1E-B459-B60219FAB484}" type="datetimeFigureOut">
               <a:rPr lang="ko-KR" altLang="en-US" smtClean="0"/>
               <a:pPr/>
-              <a:t>2016-11-26</a:t>
+              <a:t>2016-11-28</a:t>
             </a:fld>
             <a:endParaRPr lang="ko-KR" altLang="en-US"/>
           </a:p>
@@ -1748,7 +1748,7 @@
             <a:fld id="{FB30EDBD-1C2D-4C1E-B459-B60219FAB484}" type="datetimeFigureOut">
               <a:rPr lang="ko-KR" altLang="en-US" smtClean="0"/>
               <a:pPr/>
-              <a:t>2016-11-26</a:t>
+              <a:t>2016-11-28</a:t>
             </a:fld>
             <a:endParaRPr lang="ko-KR" altLang="en-US"/>
           </a:p>
@@ -1863,7 +1863,7 @@
             <a:fld id="{FB30EDBD-1C2D-4C1E-B459-B60219FAB484}" type="datetimeFigureOut">
               <a:rPr lang="ko-KR" altLang="en-US" smtClean="0"/>
               <a:pPr/>
-              <a:t>2016-11-26</a:t>
+              <a:t>2016-11-28</a:t>
             </a:fld>
             <a:endParaRPr lang="ko-KR" altLang="en-US"/>
           </a:p>
@@ -1955,7 +1955,7 @@
             <a:fld id="{FB30EDBD-1C2D-4C1E-B459-B60219FAB484}" type="datetimeFigureOut">
               <a:rPr lang="ko-KR" altLang="en-US" smtClean="0"/>
               <a:pPr/>
-              <a:t>2016-11-26</a:t>
+              <a:t>2016-11-28</a:t>
             </a:fld>
             <a:endParaRPr lang="ko-KR" altLang="en-US"/>
           </a:p>
@@ -2229,7 +2229,7 @@
             <a:fld id="{FB30EDBD-1C2D-4C1E-B459-B60219FAB484}" type="datetimeFigureOut">
               <a:rPr lang="ko-KR" altLang="en-US" smtClean="0"/>
               <a:pPr/>
-              <a:t>2016-11-26</a:t>
+              <a:t>2016-11-28</a:t>
             </a:fld>
             <a:endParaRPr lang="ko-KR" altLang="en-US"/>
           </a:p>
@@ -2479,7 +2479,7 @@
             <a:fld id="{FB30EDBD-1C2D-4C1E-B459-B60219FAB484}" type="datetimeFigureOut">
               <a:rPr lang="ko-KR" altLang="en-US" smtClean="0"/>
               <a:pPr/>
-              <a:t>2016-11-26</a:t>
+              <a:t>2016-11-28</a:t>
             </a:fld>
             <a:endParaRPr lang="ko-KR" altLang="en-US"/>
           </a:p>
@@ -2689,7 +2689,7 @@
             <a:fld id="{FB30EDBD-1C2D-4C1E-B459-B60219FAB484}" type="datetimeFigureOut">
               <a:rPr lang="ko-KR" altLang="en-US" smtClean="0"/>
               <a:pPr/>
-              <a:t>2016-11-26</a:t>
+              <a:t>2016-11-28</a:t>
             </a:fld>
             <a:endParaRPr lang="ko-KR" altLang="en-US"/>
           </a:p>
@@ -3137,9 +3137,16 @@
             <p:ph type="title"/>
           </p:nvPr>
         </p:nvSpPr>
-        <p:spPr/>
-        <p:txBody>
-          <a:bodyPr/>
+        <p:spPr>
+          <a:xfrm>
+            <a:off x="457200" y="274638"/>
+            <a:ext cx="8229600" cy="439718"/>
+          </a:xfrm>
+        </p:spPr>
+        <p:txBody>
+          <a:bodyPr>
+            <a:normAutofit fontScale="90000"/>
+          </a:bodyPr>
           <a:lstStyle/>
           <a:p>
             <a:r>
@@ -3165,8 +3172,8 @@
           </p:nvPr>
         </p:nvGraphicFramePr>
         <p:xfrm>
-          <a:off x="457200" y="1600200"/>
-          <a:ext cx="8229600" cy="3800475"/>
+          <a:off x="500034" y="928670"/>
+          <a:ext cx="8229600" cy="5547504"/>
         </p:xfrm>
         <a:graphic>
           <a:graphicData uri="http://schemas.openxmlformats.org/drawingml/2006/table">
@@ -3175,10 +3182,10 @@
                 <a:tableStyleId>{5C22544A-7EE6-4342-B048-85BDC9FD1C3A}</a:tableStyleId>
               </a:tblPr>
               <a:tblGrid>
-                <a:gridCol w="2257412"/>
-                <a:gridCol w="5972188"/>
+                <a:gridCol w="2786082"/>
+                <a:gridCol w="5443518"/>
               </a:tblGrid>
-              <a:tr h="657225">
+              <a:tr h="279949">
                 <a:tc>
                   <a:txBody>
                     <a:bodyPr/>
@@ -3186,14 +3193,14 @@
                     <a:p>
                       <a:pPr latinLnBrk="1"/>
                       <a:r>
-                        <a:rPr lang="en-US" altLang="ko-KR" dirty="0" smtClean="0"/>
+                        <a:rPr lang="en-US" altLang="ko-KR" sz="1200" dirty="0" smtClean="0"/>
                         <a:t>_</a:t>
                       </a:r>
                       <a:r>
-                        <a:rPr lang="en-US" altLang="ko-KR" dirty="0" err="1" smtClean="0"/>
+                        <a:rPr lang="en-US" altLang="ko-KR" sz="1200" dirty="0" err="1" smtClean="0"/>
                         <a:t>fileMode</a:t>
                       </a:r>
-                      <a:endParaRPr lang="ko-KR" altLang="en-US" dirty="0"/>
+                      <a:endParaRPr lang="ko-KR" altLang="en-US" sz="1200" dirty="0"/>
                     </a:p>
                   </a:txBody>
                   <a:tcPr/>
@@ -3205,16 +3212,16 @@
                     <a:p>
                       <a:pPr latinLnBrk="1"/>
                       <a:r>
-                        <a:rPr lang="en-US" altLang="ko-KR" dirty="0" err="1" smtClean="0"/>
+                        <a:rPr lang="en-US" altLang="ko-KR" sz="1200" dirty="0" err="1" smtClean="0"/>
                         <a:t>Desc</a:t>
                       </a:r>
-                      <a:endParaRPr lang="ko-KR" altLang="en-US" dirty="0"/>
+                      <a:endParaRPr lang="ko-KR" altLang="en-US" sz="1200" dirty="0"/>
                     </a:p>
                   </a:txBody>
                   <a:tcPr/>
                 </a:tc>
               </a:tr>
-              <a:tr h="657225">
+              <a:tr h="489911">
                 <a:tc>
                   <a:txBody>
                     <a:bodyPr/>
@@ -3222,10 +3229,10 @@
                     <a:p>
                       <a:pPr latinLnBrk="1"/>
                       <a:r>
-                        <a:rPr lang="en-US" altLang="ko-KR" dirty="0" smtClean="0"/>
+                        <a:rPr lang="en-US" altLang="ko-KR" sz="1200" dirty="0" smtClean="0"/>
                         <a:t>FILE_CREATE</a:t>
                       </a:r>
-                      <a:endParaRPr lang="ko-KR" altLang="en-US" dirty="0"/>
+                      <a:endParaRPr lang="ko-KR" altLang="en-US" sz="1200" dirty="0"/>
                     </a:p>
                   </a:txBody>
                   <a:tcPr/>
@@ -3237,26 +3244,26 @@
                     <a:p>
                       <a:pPr latinLnBrk="1"/>
                       <a:r>
-                        <a:rPr lang="en-US" altLang="ko-KR" dirty="0" smtClean="0"/>
+                        <a:rPr lang="en-US" altLang="ko-KR" sz="1200" dirty="0" smtClean="0"/>
                         <a:t>First</a:t>
                       </a:r>
                       <a:r>
-                        <a:rPr lang="en-US" altLang="ko-KR" baseline="0" dirty="0" smtClean="0"/>
+                        <a:rPr lang="en-US" altLang="ko-KR" sz="1200" baseline="0" dirty="0" smtClean="0"/>
                         <a:t> created, not yet saved.</a:t>
                       </a:r>
                     </a:p>
                     <a:p>
                       <a:pPr latinLnBrk="1"/>
                       <a:r>
-                        <a:rPr lang="en-US" altLang="ko-KR" baseline="0" dirty="0" smtClean="0"/>
+                        <a:rPr lang="en-US" altLang="ko-KR" sz="1200" baseline="0" dirty="0" smtClean="0"/>
                         <a:t>_</a:t>
                       </a:r>
                       <a:r>
-                        <a:rPr lang="en-US" altLang="ko-KR" baseline="0" dirty="0" err="1" smtClean="0"/>
+                        <a:rPr lang="en-US" altLang="ko-KR" sz="1200" baseline="0" dirty="0" err="1" smtClean="0"/>
                         <a:t>curFileName</a:t>
                       </a:r>
                       <a:r>
-                        <a:rPr lang="en-US" altLang="ko-KR" baseline="0" dirty="0" smtClean="0"/>
+                        <a:rPr lang="en-US" altLang="ko-KR" sz="1200" baseline="0" dirty="0" smtClean="0"/>
                         <a:t> = null </a:t>
                       </a:r>
                     </a:p>
@@ -3264,7 +3271,7 @@
                   <a:tcPr/>
                 </a:tc>
               </a:tr>
-              <a:tr h="657225">
+              <a:tr h="699873">
                 <a:tc>
                   <a:txBody>
                     <a:bodyPr/>
@@ -3272,10 +3279,10 @@
                     <a:p>
                       <a:pPr latinLnBrk="1"/>
                       <a:r>
-                        <a:rPr lang="en-US" altLang="ko-KR" dirty="0" smtClean="0"/>
+                        <a:rPr lang="en-US" altLang="ko-KR" sz="1200" dirty="0" smtClean="0"/>
                         <a:t>FILE_CREATE_EDIT</a:t>
                       </a:r>
-                      <a:endParaRPr lang="ko-KR" altLang="en-US" dirty="0"/>
+                      <a:endParaRPr lang="ko-KR" altLang="en-US" sz="1200" dirty="0"/>
                     </a:p>
                   </a:txBody>
                   <a:tcPr/>
@@ -3287,41 +3294,41 @@
                     <a:p>
                       <a:pPr latinLnBrk="1"/>
                       <a:r>
-                        <a:rPr lang="en-US" altLang="ko-KR" dirty="0" smtClean="0"/>
+                        <a:rPr lang="en-US" altLang="ko-KR" sz="1200" dirty="0" smtClean="0"/>
                         <a:t>First</a:t>
                       </a:r>
                       <a:r>
-                        <a:rPr lang="en-US" altLang="ko-KR" baseline="0" dirty="0" smtClean="0"/>
+                        <a:rPr lang="en-US" altLang="ko-KR" sz="1200" baseline="0" dirty="0" smtClean="0"/>
                         <a:t> created and touched.</a:t>
                       </a:r>
                     </a:p>
                     <a:p>
                       <a:pPr latinLnBrk="1"/>
                       <a:r>
-                        <a:rPr lang="en-US" altLang="ko-KR" baseline="0" dirty="0" smtClean="0"/>
+                        <a:rPr lang="en-US" altLang="ko-KR" sz="1200" baseline="0" dirty="0" smtClean="0"/>
                         <a:t>Temp file created.</a:t>
                       </a:r>
                     </a:p>
                     <a:p>
                       <a:pPr latinLnBrk="1"/>
                       <a:r>
-                        <a:rPr lang="en-US" altLang="ko-KR" baseline="0" dirty="0" smtClean="0"/>
+                        <a:rPr lang="en-US" altLang="ko-KR" sz="1200" baseline="0" dirty="0" smtClean="0"/>
                         <a:t>_</a:t>
                       </a:r>
                       <a:r>
-                        <a:rPr lang="en-US" altLang="ko-KR" baseline="0" dirty="0" err="1" smtClean="0"/>
+                        <a:rPr lang="en-US" altLang="ko-KR" sz="1200" baseline="0" dirty="0" err="1" smtClean="0"/>
                         <a:t>curFileName</a:t>
                       </a:r>
                       <a:r>
-                        <a:rPr lang="en-US" altLang="ko-KR" baseline="0" dirty="0" smtClean="0"/>
+                        <a:rPr lang="en-US" altLang="ko-KR" sz="1200" baseline="0" dirty="0" smtClean="0"/>
                         <a:t> = </a:t>
                       </a:r>
                       <a:r>
-                        <a:rPr lang="en-US" altLang="ko-KR" baseline="0" dirty="0" err="1" smtClean="0"/>
+                        <a:rPr lang="en-US" altLang="ko-KR" sz="1200" baseline="0" dirty="0" err="1" smtClean="0"/>
                         <a:t>temp_filename</a:t>
                       </a:r>
                       <a:r>
-                        <a:rPr lang="en-US" altLang="ko-KR" baseline="0" dirty="0" smtClean="0"/>
+                        <a:rPr lang="en-US" altLang="ko-KR" sz="1200" baseline="0" dirty="0" smtClean="0"/>
                         <a:t> </a:t>
                       </a:r>
                     </a:p>
@@ -3329,7 +3336,7 @@
                   <a:tcPr/>
                 </a:tc>
               </a:tr>
-              <a:tr h="657225">
+              <a:tr h="508419">
                 <a:tc>
                   <a:txBody>
                     <a:bodyPr/>
@@ -3337,10 +3344,10 @@
                     <a:p>
                       <a:pPr latinLnBrk="1"/>
                       <a:r>
-                        <a:rPr lang="en-US" altLang="ko-KR" dirty="0" smtClean="0"/>
-                        <a:t>FILE_OPEN</a:t>
-                      </a:r>
-                      <a:endParaRPr lang="ko-KR" altLang="en-US" dirty="0"/>
+                        <a:rPr lang="en-US" altLang="ko-KR" sz="1200" dirty="0" smtClean="0"/>
+                        <a:t>FILE_CREATE_TOUCH</a:t>
+                      </a:r>
+                      <a:endParaRPr lang="ko-KR" altLang="en-US" sz="1200" dirty="0"/>
                     </a:p>
                   </a:txBody>
                   <a:tcPr/>
@@ -3351,40 +3358,13 @@
                     <a:lstStyle/>
                     <a:p>
                       <a:pPr latinLnBrk="1"/>
-                      <a:r>
-                        <a:rPr lang="en-US" altLang="ko-KR" dirty="0" smtClean="0"/>
-                        <a:t>File</a:t>
-                      </a:r>
-                      <a:r>
-                        <a:rPr lang="en-US" altLang="ko-KR" baseline="0" dirty="0" smtClean="0"/>
-                        <a:t> loaded, not yet touched.</a:t>
-                      </a:r>
-                    </a:p>
-                    <a:p>
-                      <a:pPr latinLnBrk="1"/>
-                      <a:r>
-                        <a:rPr lang="en-US" altLang="ko-KR" dirty="0" smtClean="0"/>
-                        <a:t>_</a:t>
-                      </a:r>
-                      <a:r>
-                        <a:rPr lang="en-US" altLang="ko-KR" dirty="0" err="1" smtClean="0"/>
-                        <a:t>curFileName</a:t>
-                      </a:r>
-                      <a:r>
-                        <a:rPr lang="en-US" altLang="ko-KR" dirty="0" smtClean="0"/>
-                        <a:t> = </a:t>
-                      </a:r>
-                      <a:r>
-                        <a:rPr lang="en-US" altLang="ko-KR" dirty="0" err="1" smtClean="0"/>
-                        <a:t>saved_filename</a:t>
-                      </a:r>
-                      <a:endParaRPr lang="en-US" altLang="ko-KR" dirty="0" smtClean="0"/>
+                      <a:endParaRPr lang="en-US" altLang="ko-KR" sz="1200" baseline="0" dirty="0" smtClean="0"/>
                     </a:p>
                   </a:txBody>
                   <a:tcPr/>
                 </a:tc>
               </a:tr>
-              <a:tr h="657225">
+              <a:tr h="489911">
                 <a:tc>
                   <a:txBody>
                     <a:bodyPr/>
@@ -3392,10 +3372,10 @@
                     <a:p>
                       <a:pPr latinLnBrk="1"/>
                       <a:r>
-                        <a:rPr lang="en-US" altLang="ko-KR" dirty="0" smtClean="0"/>
-                        <a:t>FILE_OPEN_EDIT</a:t>
-                      </a:r>
-                      <a:endParaRPr lang="ko-KR" altLang="en-US" dirty="0"/>
+                        <a:rPr lang="en-US" altLang="ko-KR" sz="1200" dirty="0" smtClean="0"/>
+                        <a:t>FILE_LOAD</a:t>
+                      </a:r>
+                      <a:endParaRPr lang="ko-KR" altLang="en-US" sz="1200" dirty="0"/>
                     </a:p>
                   </a:txBody>
                   <a:tcPr/>
@@ -3407,21 +3387,76 @@
                     <a:p>
                       <a:pPr latinLnBrk="1"/>
                       <a:r>
-                        <a:rPr lang="en-US" altLang="ko-KR" dirty="0" smtClean="0"/>
-                        <a:t>File loaded, touched.</a:t>
+                        <a:rPr lang="en-US" altLang="ko-KR" sz="1200" dirty="0" smtClean="0"/>
+                        <a:t>File</a:t>
+                      </a:r>
+                      <a:r>
+                        <a:rPr lang="en-US" altLang="ko-KR" sz="1200" baseline="0" dirty="0" smtClean="0"/>
+                        <a:t> loaded, not yet touched.</a:t>
                       </a:r>
                     </a:p>
                     <a:p>
                       <a:pPr latinLnBrk="1"/>
                       <a:r>
-                        <a:rPr lang="en-US" altLang="ko-KR" dirty="0" smtClean="0"/>
+                        <a:rPr lang="en-US" altLang="ko-KR" sz="1200" dirty="0" smtClean="0"/>
+                        <a:t>_</a:t>
+                      </a:r>
+                      <a:r>
+                        <a:rPr lang="en-US" altLang="ko-KR" sz="1200" dirty="0" err="1" smtClean="0"/>
+                        <a:t>curFileName</a:t>
+                      </a:r>
+                      <a:r>
+                        <a:rPr lang="en-US" altLang="ko-KR" sz="1200" dirty="0" smtClean="0"/>
+                        <a:t> = </a:t>
+                      </a:r>
+                      <a:r>
+                        <a:rPr lang="en-US" altLang="ko-KR" sz="1200" dirty="0" err="1" smtClean="0"/>
+                        <a:t>loaded_filename</a:t>
+                      </a:r>
+                      <a:endParaRPr lang="en-US" altLang="ko-KR" sz="1200" dirty="0" smtClean="0"/>
+                    </a:p>
+                  </a:txBody>
+                  <a:tcPr/>
+                </a:tc>
+              </a:tr>
+              <a:tr h="699873">
+                <a:tc>
+                  <a:txBody>
+                    <a:bodyPr/>
+                    <a:lstStyle/>
+                    <a:p>
+                      <a:pPr latinLnBrk="1"/>
+                      <a:r>
+                        <a:rPr lang="en-US" altLang="ko-KR" sz="1200" dirty="0" smtClean="0"/>
+                        <a:t>FILE_LOAD_EDIT</a:t>
+                      </a:r>
+                      <a:endParaRPr lang="ko-KR" altLang="en-US" sz="1200" dirty="0"/>
+                    </a:p>
+                  </a:txBody>
+                  <a:tcPr/>
+                </a:tc>
+                <a:tc>
+                  <a:txBody>
+                    <a:bodyPr/>
+                    <a:lstStyle/>
+                    <a:p>
+                      <a:pPr latinLnBrk="1"/>
+                      <a:r>
+                        <a:rPr lang="en-US" altLang="ko-KR" sz="1200" dirty="0" smtClean="0"/>
+                        <a:t>File loaded, touched.</a:t>
+                      </a:r>
+                    </a:p>
+                    <a:p>
+                      <a:pPr latinLnBrk="1"/>
+                      <a:r>
+                        <a:rPr lang="en-US" altLang="ko-KR" sz="1200" dirty="0" smtClean="0"/>
                         <a:t>Temp file</a:t>
                       </a:r>
                       <a:r>
-                        <a:rPr lang="en-US" altLang="ko-KR" baseline="0" dirty="0" smtClean="0"/>
+                        <a:rPr lang="en-US" altLang="ko-KR" sz="1200" baseline="0" dirty="0" smtClean="0"/>
                         <a:t> created.</a:t>
                       </a:r>
-                      <a:endParaRPr lang="en-US" altLang="ko-KR" dirty="0" smtClean="0"/>
+                      <a:endParaRPr lang="en-US" altLang="ko-KR" sz="1200" dirty="0" smtClean="0"/>
                     </a:p>
                     <a:p>
                       <a:pPr marL="0" marR="0" indent="0" algn="l" defTabSz="914400" rtl="0" eaLnBrk="1" fontAlgn="auto" latinLnBrk="1" hangingPunct="1">
@@ -3442,22 +3477,287 @@
                         <a:defRPr/>
                       </a:pPr>
                       <a:r>
-                        <a:rPr lang="en-US" altLang="ko-KR" dirty="0" smtClean="0"/>
+                        <a:rPr lang="en-US" altLang="ko-KR" sz="1200" dirty="0" smtClean="0"/>
                         <a:t>_</a:t>
                       </a:r>
                       <a:r>
-                        <a:rPr lang="en-US" altLang="ko-KR" dirty="0" err="1" smtClean="0"/>
+                        <a:rPr lang="en-US" altLang="ko-KR" sz="1200" dirty="0" err="1" smtClean="0"/>
                         <a:t>curFileName</a:t>
                       </a:r>
                       <a:r>
-                        <a:rPr lang="en-US" altLang="ko-KR" dirty="0" smtClean="0"/>
+                        <a:rPr lang="en-US" altLang="ko-KR" sz="1200" dirty="0" smtClean="0"/>
                         <a:t> = </a:t>
                       </a:r>
                       <a:r>
-                        <a:rPr lang="en-US" altLang="ko-KR" dirty="0" err="1" smtClean="0"/>
+                        <a:rPr lang="en-US" altLang="ko-KR" sz="1200" dirty="0" err="1" smtClean="0"/>
+                        <a:t>loaded_filename</a:t>
+                      </a:r>
+                      <a:endParaRPr lang="ko-KR" altLang="en-US" sz="1200" dirty="0" smtClean="0"/>
+                    </a:p>
+                  </a:txBody>
+                  <a:tcPr/>
+                </a:tc>
+              </a:tr>
+              <a:tr h="699873">
+                <a:tc>
+                  <a:txBody>
+                    <a:bodyPr/>
+                    <a:lstStyle/>
+                    <a:p>
+                      <a:pPr latinLnBrk="1"/>
+                      <a:r>
+                        <a:rPr lang="en-US" altLang="ko-KR" sz="1200" dirty="0" smtClean="0"/>
+                        <a:t>FILE_LOAD_TOUCH</a:t>
+                      </a:r>
+                      <a:endParaRPr lang="ko-KR" altLang="en-US" sz="1200" dirty="0"/>
+                    </a:p>
+                  </a:txBody>
+                  <a:tcPr/>
+                </a:tc>
+                <a:tc>
+                  <a:txBody>
+                    <a:bodyPr/>
+                    <a:lstStyle/>
+                    <a:p>
+                      <a:pPr marL="0" marR="0" indent="0" algn="l" defTabSz="914400" rtl="0" eaLnBrk="1" fontAlgn="auto" latinLnBrk="1" hangingPunct="1">
+                        <a:lnSpc>
+                          <a:spcPct val="100000"/>
+                        </a:lnSpc>
+                        <a:spcBef>
+                          <a:spcPts val="0"/>
+                        </a:spcBef>
+                        <a:spcAft>
+                          <a:spcPts val="0"/>
+                        </a:spcAft>
+                        <a:buClrTx/>
+                        <a:buSzTx/>
+                        <a:buFontTx/>
+                        <a:buNone/>
+                        <a:tabLst/>
+                        <a:defRPr/>
+                      </a:pPr>
+                      <a:endParaRPr lang="ko-KR" altLang="en-US" sz="1200" dirty="0" smtClean="0"/>
+                    </a:p>
+                  </a:txBody>
+                  <a:tcPr/>
+                </a:tc>
+              </a:tr>
+              <a:tr h="699873">
+                <a:tc>
+                  <a:txBody>
+                    <a:bodyPr/>
+                    <a:lstStyle/>
+                    <a:p>
+                      <a:pPr latinLnBrk="1"/>
+                      <a:r>
+                        <a:rPr lang="en-US" altLang="ko-KR" sz="1200" dirty="0" smtClean="0"/>
+                        <a:t>FILE_SAVED</a:t>
+                      </a:r>
+                      <a:endParaRPr lang="ko-KR" altLang="en-US" sz="1200" dirty="0"/>
+                    </a:p>
+                  </a:txBody>
+                  <a:tcPr/>
+                </a:tc>
+                <a:tc>
+                  <a:txBody>
+                    <a:bodyPr/>
+                    <a:lstStyle/>
+                    <a:p>
+                      <a:pPr marL="0" marR="0" indent="0" algn="l" defTabSz="914400" rtl="0" eaLnBrk="1" fontAlgn="auto" latinLnBrk="1" hangingPunct="1">
+                        <a:lnSpc>
+                          <a:spcPct val="100000"/>
+                        </a:lnSpc>
+                        <a:spcBef>
+                          <a:spcPts val="0"/>
+                        </a:spcBef>
+                        <a:spcAft>
+                          <a:spcPts val="0"/>
+                        </a:spcAft>
+                        <a:buClrTx/>
+                        <a:buSzTx/>
+                        <a:buFontTx/>
+                        <a:buNone/>
+                        <a:tabLst/>
+                        <a:defRPr/>
+                      </a:pPr>
+                      <a:r>
+                        <a:rPr lang="en-US" altLang="ko-KR" sz="1200" dirty="0" smtClean="0"/>
+                        <a:t>File</a:t>
+                      </a:r>
+                      <a:r>
+                        <a:rPr lang="en-US" altLang="ko-KR" sz="1200" baseline="0" dirty="0" smtClean="0"/>
+                        <a:t> just saved, not yet touched.</a:t>
+                      </a:r>
+                    </a:p>
+                    <a:p>
+                      <a:pPr marL="0" marR="0" indent="0" algn="l" defTabSz="914400" rtl="0" eaLnBrk="1" fontAlgn="auto" latinLnBrk="1" hangingPunct="1">
+                        <a:lnSpc>
+                          <a:spcPct val="100000"/>
+                        </a:lnSpc>
+                        <a:spcBef>
+                          <a:spcPts val="0"/>
+                        </a:spcBef>
+                        <a:spcAft>
+                          <a:spcPts val="0"/>
+                        </a:spcAft>
+                        <a:buClrTx/>
+                        <a:buSzTx/>
+                        <a:buFontTx/>
+                        <a:buNone/>
+                        <a:tabLst/>
+                        <a:defRPr/>
+                      </a:pPr>
+                      <a:r>
+                        <a:rPr lang="en-US" altLang="ko-KR" sz="1200" baseline="0" dirty="0" smtClean="0"/>
+                        <a:t>_</a:t>
+                      </a:r>
+                      <a:r>
+                        <a:rPr lang="en-US" altLang="ko-KR" sz="1200" baseline="0" dirty="0" err="1" smtClean="0"/>
+                        <a:t>curFileName</a:t>
+                      </a:r>
+                      <a:r>
+                        <a:rPr lang="en-US" altLang="ko-KR" sz="1200" baseline="0" dirty="0" smtClean="0"/>
+                        <a:t> = </a:t>
+                      </a:r>
+                      <a:r>
+                        <a:rPr lang="en-US" altLang="ko-KR" sz="1200" baseline="0" dirty="0" err="1" smtClean="0"/>
                         <a:t>saved_filename</a:t>
                       </a:r>
-                      <a:endParaRPr lang="ko-KR" altLang="en-US" dirty="0" smtClean="0"/>
+                      <a:endParaRPr lang="en-US" altLang="ko-KR" sz="1200" baseline="0" dirty="0" smtClean="0"/>
+                    </a:p>
+                    <a:p>
+                      <a:pPr marL="0" marR="0" indent="0" algn="l" defTabSz="914400" rtl="0" eaLnBrk="1" fontAlgn="auto" latinLnBrk="1" hangingPunct="1">
+                        <a:lnSpc>
+                          <a:spcPct val="100000"/>
+                        </a:lnSpc>
+                        <a:spcBef>
+                          <a:spcPts val="0"/>
+                        </a:spcBef>
+                        <a:spcAft>
+                          <a:spcPts val="0"/>
+                        </a:spcAft>
+                        <a:buClrTx/>
+                        <a:buSzTx/>
+                        <a:buFontTx/>
+                        <a:buNone/>
+                        <a:tabLst/>
+                        <a:defRPr/>
+                      </a:pPr>
+                      <a:endParaRPr lang="en-US" altLang="ko-KR" sz="1200" baseline="0" dirty="0" smtClean="0"/>
+                    </a:p>
+                  </a:txBody>
+                  <a:tcPr/>
+                </a:tc>
+              </a:tr>
+              <a:tr h="489911">
+                <a:tc>
+                  <a:txBody>
+                    <a:bodyPr/>
+                    <a:lstStyle/>
+                    <a:p>
+                      <a:pPr latinLnBrk="1"/>
+                      <a:r>
+                        <a:rPr lang="en-US" altLang="ko-KR" sz="1200" dirty="0" smtClean="0"/>
+                        <a:t>FILE_SAVED_EDIT</a:t>
+                      </a:r>
+                      <a:endParaRPr lang="ko-KR" altLang="en-US" sz="1200" dirty="0"/>
+                    </a:p>
+                  </a:txBody>
+                  <a:tcPr/>
+                </a:tc>
+                <a:tc>
+                  <a:txBody>
+                    <a:bodyPr/>
+                    <a:lstStyle/>
+                    <a:p>
+                      <a:pPr marL="0" marR="0" indent="0" algn="l" defTabSz="914400" rtl="0" eaLnBrk="1" fontAlgn="auto" latinLnBrk="1" hangingPunct="1">
+                        <a:lnSpc>
+                          <a:spcPct val="100000"/>
+                        </a:lnSpc>
+                        <a:spcBef>
+                          <a:spcPts val="0"/>
+                        </a:spcBef>
+                        <a:spcAft>
+                          <a:spcPts val="0"/>
+                        </a:spcAft>
+                        <a:buClrTx/>
+                        <a:buSzTx/>
+                        <a:buFontTx/>
+                        <a:buNone/>
+                        <a:tabLst/>
+                        <a:defRPr/>
+                      </a:pPr>
+                      <a:r>
+                        <a:rPr lang="en-US" altLang="ko-KR" sz="1200" baseline="0" dirty="0" smtClean="0"/>
+                        <a:t>Filed saved, touched.</a:t>
+                      </a:r>
+                    </a:p>
+                    <a:p>
+                      <a:pPr marL="0" marR="0" indent="0" algn="l" defTabSz="914400" rtl="0" eaLnBrk="1" fontAlgn="auto" latinLnBrk="1" hangingPunct="1">
+                        <a:lnSpc>
+                          <a:spcPct val="100000"/>
+                        </a:lnSpc>
+                        <a:spcBef>
+                          <a:spcPts val="0"/>
+                        </a:spcBef>
+                        <a:spcAft>
+                          <a:spcPts val="0"/>
+                        </a:spcAft>
+                        <a:buClrTx/>
+                        <a:buSzTx/>
+                        <a:buFontTx/>
+                        <a:buNone/>
+                        <a:tabLst/>
+                        <a:defRPr/>
+                      </a:pPr>
+                      <a:r>
+                        <a:rPr lang="en-US" altLang="ko-KR" sz="1200" baseline="0" dirty="0" smtClean="0"/>
+                        <a:t>Temp file created.</a:t>
+                      </a:r>
+                    </a:p>
+                  </a:txBody>
+                  <a:tcPr/>
+                </a:tc>
+              </a:tr>
+              <a:tr h="489911">
+                <a:tc>
+                  <a:txBody>
+                    <a:bodyPr/>
+                    <a:lstStyle/>
+                    <a:p>
+                      <a:pPr latinLnBrk="1"/>
+                      <a:r>
+                        <a:rPr lang="en-US" altLang="ko-KR" sz="1200" dirty="0" smtClean="0"/>
+                        <a:t>FILE_SAVED_TOUCH</a:t>
+                      </a:r>
+                      <a:endParaRPr lang="ko-KR" altLang="en-US" sz="1200" dirty="0"/>
+                    </a:p>
+                  </a:txBody>
+                  <a:tcPr/>
+                </a:tc>
+                <a:tc>
+                  <a:txBody>
+                    <a:bodyPr/>
+                    <a:lstStyle/>
+                    <a:p>
+                      <a:pPr marL="0" marR="0" indent="0" algn="l" defTabSz="914400" rtl="0" eaLnBrk="1" fontAlgn="auto" latinLnBrk="1" hangingPunct="1">
+                        <a:lnSpc>
+                          <a:spcPct val="100000"/>
+                        </a:lnSpc>
+                        <a:spcBef>
+                          <a:spcPts val="0"/>
+                        </a:spcBef>
+                        <a:spcAft>
+                          <a:spcPts val="0"/>
+                        </a:spcAft>
+                        <a:buClrTx/>
+                        <a:buSzTx/>
+                        <a:buFontTx/>
+                        <a:buNone/>
+                        <a:tabLst/>
+                        <a:defRPr/>
+                      </a:pPr>
+                      <a:endParaRPr lang="en-US" altLang="ko-KR" sz="1200" baseline="0" dirty="0" smtClean="0"/>
                     </a:p>
                   </a:txBody>
                   <a:tcPr/>
